--- a/프레젠테이션1.pptx
+++ b/프레젠테이션1.pptx
@@ -9,6 +9,7 @@
     <p:sldId id="257" r:id="rId3"/>
     <p:sldId id="258" r:id="rId4"/>
     <p:sldId id="259" r:id="rId5"/>
+    <p:sldId id="260" r:id="rId6"/>
   </p:sldIdLst>
   <p:sldSz cx="12192000" cy="6858000"/>
   <p:notesSz cx="6858000" cy="9144000"/>
@@ -107,6 +108,11 @@
       </a:defRPr>
     </a:lvl9pPr>
   </p:defaultTextStyle>
+  <p:extLst>
+    <p:ext uri="{EFAFB233-063F-42B5-8137-9DF3F51BA10A}">
+      <p15:sldGuideLst xmlns:p15="http://schemas.microsoft.com/office/powerpoint/2012/main"/>
+    </p:ext>
+  </p:extLst>
 </p:presentation>
 </file>
 
@@ -257,7 +263,7 @@
           <a:p>
             <a:fld id="{A7A88E06-ABC7-4563-8BD0-0D2072E2BFE4}" type="datetimeFigureOut">
               <a:rPr lang="ko-KR" altLang="en-US" smtClean="0"/>
-              <a:t>2022-05-17</a:t>
+              <a:t>2022-05-24</a:t>
             </a:fld>
             <a:endParaRPr lang="ko-KR" altLang="en-US"/>
           </a:p>
@@ -455,7 +461,7 @@
           <a:p>
             <a:fld id="{A7A88E06-ABC7-4563-8BD0-0D2072E2BFE4}" type="datetimeFigureOut">
               <a:rPr lang="ko-KR" altLang="en-US" smtClean="0"/>
-              <a:t>2022-05-17</a:t>
+              <a:t>2022-05-24</a:t>
             </a:fld>
             <a:endParaRPr lang="ko-KR" altLang="en-US"/>
           </a:p>
@@ -663,7 +669,7 @@
           <a:p>
             <a:fld id="{A7A88E06-ABC7-4563-8BD0-0D2072E2BFE4}" type="datetimeFigureOut">
               <a:rPr lang="ko-KR" altLang="en-US" smtClean="0"/>
-              <a:t>2022-05-17</a:t>
+              <a:t>2022-05-24</a:t>
             </a:fld>
             <a:endParaRPr lang="ko-KR" altLang="en-US"/>
           </a:p>
@@ -861,7 +867,7 @@
           <a:p>
             <a:fld id="{A7A88E06-ABC7-4563-8BD0-0D2072E2BFE4}" type="datetimeFigureOut">
               <a:rPr lang="ko-KR" altLang="en-US" smtClean="0"/>
-              <a:t>2022-05-17</a:t>
+              <a:t>2022-05-24</a:t>
             </a:fld>
             <a:endParaRPr lang="ko-KR" altLang="en-US"/>
           </a:p>
@@ -1136,7 +1142,7 @@
           <a:p>
             <a:fld id="{A7A88E06-ABC7-4563-8BD0-0D2072E2BFE4}" type="datetimeFigureOut">
               <a:rPr lang="ko-KR" altLang="en-US" smtClean="0"/>
-              <a:t>2022-05-17</a:t>
+              <a:t>2022-05-24</a:t>
             </a:fld>
             <a:endParaRPr lang="ko-KR" altLang="en-US"/>
           </a:p>
@@ -1401,7 +1407,7 @@
           <a:p>
             <a:fld id="{A7A88E06-ABC7-4563-8BD0-0D2072E2BFE4}" type="datetimeFigureOut">
               <a:rPr lang="ko-KR" altLang="en-US" smtClean="0"/>
-              <a:t>2022-05-17</a:t>
+              <a:t>2022-05-24</a:t>
             </a:fld>
             <a:endParaRPr lang="ko-KR" altLang="en-US"/>
           </a:p>
@@ -1813,7 +1819,7 @@
           <a:p>
             <a:fld id="{A7A88E06-ABC7-4563-8BD0-0D2072E2BFE4}" type="datetimeFigureOut">
               <a:rPr lang="ko-KR" altLang="en-US" smtClean="0"/>
-              <a:t>2022-05-17</a:t>
+              <a:t>2022-05-24</a:t>
             </a:fld>
             <a:endParaRPr lang="ko-KR" altLang="en-US"/>
           </a:p>
@@ -1954,7 +1960,7 @@
           <a:p>
             <a:fld id="{A7A88E06-ABC7-4563-8BD0-0D2072E2BFE4}" type="datetimeFigureOut">
               <a:rPr lang="ko-KR" altLang="en-US" smtClean="0"/>
-              <a:t>2022-05-17</a:t>
+              <a:t>2022-05-24</a:t>
             </a:fld>
             <a:endParaRPr lang="ko-KR" altLang="en-US"/>
           </a:p>
@@ -2067,7 +2073,7 @@
           <a:p>
             <a:fld id="{A7A88E06-ABC7-4563-8BD0-0D2072E2BFE4}" type="datetimeFigureOut">
               <a:rPr lang="ko-KR" altLang="en-US" smtClean="0"/>
-              <a:t>2022-05-17</a:t>
+              <a:t>2022-05-24</a:t>
             </a:fld>
             <a:endParaRPr lang="ko-KR" altLang="en-US"/>
           </a:p>
@@ -2378,7 +2384,7 @@
           <a:p>
             <a:fld id="{A7A88E06-ABC7-4563-8BD0-0D2072E2BFE4}" type="datetimeFigureOut">
               <a:rPr lang="ko-KR" altLang="en-US" smtClean="0"/>
-              <a:t>2022-05-17</a:t>
+              <a:t>2022-05-24</a:t>
             </a:fld>
             <a:endParaRPr lang="ko-KR" altLang="en-US"/>
           </a:p>
@@ -2666,7 +2672,7 @@
           <a:p>
             <a:fld id="{A7A88E06-ABC7-4563-8BD0-0D2072E2BFE4}" type="datetimeFigureOut">
               <a:rPr lang="ko-KR" altLang="en-US" smtClean="0"/>
-              <a:t>2022-05-17</a:t>
+              <a:t>2022-05-24</a:t>
             </a:fld>
             <a:endParaRPr lang="ko-KR" altLang="en-US"/>
           </a:p>
@@ -2907,7 +2913,7 @@
           <a:p>
             <a:fld id="{A7A88E06-ABC7-4563-8BD0-0D2072E2BFE4}" type="datetimeFigureOut">
               <a:rPr lang="ko-KR" altLang="en-US" smtClean="0"/>
-              <a:t>2022-05-17</a:t>
+              <a:t>2022-05-24</a:t>
             </a:fld>
             <a:endParaRPr lang="ko-KR" altLang="en-US"/>
           </a:p>
@@ -3405,7 +3411,7 @@
         <p:spPr>
           <a:xfrm>
             <a:off x="1199627" y="1521690"/>
-            <a:ext cx="4127385" cy="2862322"/>
+            <a:ext cx="4127385" cy="3693319"/>
           </a:xfrm>
           <a:prstGeom prst="rect">
             <a:avLst/>
@@ -3479,6 +3485,24 @@
             <a:r>
               <a:rPr lang="ko-KR" altLang="en-US" dirty="0"/>
               <a:t>까지 각자 하나의 생물군을 맡게 함</a:t>
+            </a:r>
+            <a:endParaRPr lang="en-US" altLang="ko-KR" dirty="0"/>
+          </a:p>
+          <a:p>
+            <a:endParaRPr lang="en-US" altLang="ko-KR" dirty="0"/>
+          </a:p>
+          <a:p>
+            <a:r>
+              <a:rPr lang="ko-KR" altLang="en-US" dirty="0"/>
+              <a:t>소문자 중 </a:t>
+            </a:r>
+            <a:r>
+              <a:rPr lang="en-US" altLang="ko-KR" dirty="0"/>
+              <a:t>3~5</a:t>
+            </a:r>
+            <a:r>
+              <a:rPr lang="ko-KR" altLang="en-US" dirty="0"/>
+              <a:t>개 씩 묶음으로 종의 고유 유전자로 설정</a:t>
             </a:r>
             <a:endParaRPr lang="en-US" altLang="ko-KR" dirty="0"/>
           </a:p>
@@ -3690,7 +3714,7 @@
         <p:spPr>
           <a:xfrm>
             <a:off x="7122253" y="3020037"/>
-            <a:ext cx="2656496" cy="646331"/>
+            <a:ext cx="2969083" cy="923330"/>
           </a:xfrm>
           <a:prstGeom prst="rect">
             <a:avLst/>
@@ -3706,6 +3730,13 @@
             <a:r>
               <a:rPr lang="ko-KR" altLang="en-US" dirty="0"/>
               <a:t>유전자 총수가 바뀌거나</a:t>
+            </a:r>
+            <a:endParaRPr lang="en-US" altLang="ko-KR" dirty="0"/>
+          </a:p>
+          <a:p>
+            <a:r>
+              <a:rPr lang="ko-KR" altLang="en-US" dirty="0"/>
+              <a:t>고유 유전자의 배열이 바뀜</a:t>
             </a:r>
             <a:endParaRPr lang="en-US" altLang="ko-KR" dirty="0"/>
           </a:p>
@@ -4458,7 +4489,7 @@
         <p:spPr>
           <a:xfrm>
             <a:off x="6470562" y="3549625"/>
-            <a:ext cx="5819222" cy="646331"/>
+            <a:ext cx="5687776" cy="923330"/>
           </a:xfrm>
           <a:prstGeom prst="rect">
             <a:avLst/>
@@ -4499,16 +4530,27 @@
               <a:t>유전자를 </a:t>
             </a:r>
             <a:r>
-              <a:rPr lang="en-US" altLang="ko-KR" dirty="0" err="1"/>
-              <a:t>c,d</a:t>
-            </a:r>
-            <a:r>
               <a:rPr lang="en-US" altLang="ko-KR" dirty="0"/>
-              <a:t> </a:t>
+              <a:t>c(</a:t>
             </a:r>
             <a:r>
               <a:rPr lang="ko-KR" altLang="en-US" dirty="0"/>
-              <a:t>둘 중하나를 가지면으로 정의함 </a:t>
+              <a:t>종을 나누는 유전자</a:t>
+            </a:r>
+            <a:r>
+              <a:rPr lang="en-US" altLang="ko-KR" dirty="0"/>
+              <a:t>) </a:t>
+            </a:r>
+            <a:r>
+              <a:rPr lang="ko-KR" altLang="en-US" dirty="0"/>
+              <a:t>둘 중하나를</a:t>
+            </a:r>
+            <a:endParaRPr lang="en-US" altLang="ko-KR" dirty="0"/>
+          </a:p>
+          <a:p>
+            <a:r>
+              <a:rPr lang="ko-KR" altLang="en-US" dirty="0"/>
+              <a:t> 가지면으로 정의함 </a:t>
             </a:r>
           </a:p>
         </p:txBody>
@@ -4590,6 +4632,107 @@
     <p:extLst>
       <p:ext uri="{BB962C8B-B14F-4D97-AF65-F5344CB8AC3E}">
         <p14:creationId xmlns:p14="http://schemas.microsoft.com/office/powerpoint/2010/main" val="2699658898"/>
+      </p:ext>
+    </p:extLst>
+  </p:cSld>
+  <p:clrMapOvr>
+    <a:masterClrMapping/>
+  </p:clrMapOvr>
+</p:sld>
+</file>
+
+<file path=ppt/slides/slide5.xml><?xml version="1.0" encoding="utf-8"?>
+<p:sld xmlns:a="http://schemas.openxmlformats.org/drawingml/2006/main" xmlns:r="http://schemas.openxmlformats.org/officeDocument/2006/relationships" xmlns:p="http://schemas.openxmlformats.org/presentationml/2006/main">
+  <p:cSld>
+    <p:spTree>
+      <p:nvGrpSpPr>
+        <p:cNvPr id="1" name=""/>
+        <p:cNvGrpSpPr/>
+        <p:nvPr/>
+      </p:nvGrpSpPr>
+      <p:grpSpPr>
+        <a:xfrm>
+          <a:off x="0" y="0"/>
+          <a:ext cx="0" cy="0"/>
+          <a:chOff x="0" y="0"/>
+          <a:chExt cx="0" cy="0"/>
+        </a:xfrm>
+      </p:grpSpPr>
+      <p:sp>
+        <p:nvSpPr>
+          <p:cNvPr id="4" name="TextBox 3">
+            <a:extLst>
+              <a:ext uri="{FF2B5EF4-FFF2-40B4-BE49-F238E27FC236}">
+                <a16:creationId xmlns:a16="http://schemas.microsoft.com/office/drawing/2014/main" id="{82871A53-3A3B-4BA8-B82E-AE3EAF9FAA79}"/>
+              </a:ext>
+            </a:extLst>
+          </p:cNvPr>
+          <p:cNvSpPr txBox="1"/>
+          <p:nvPr/>
+        </p:nvSpPr>
+        <p:spPr>
+          <a:xfrm>
+            <a:off x="679116" y="353984"/>
+            <a:ext cx="1171411" cy="646331"/>
+          </a:xfrm>
+          <a:prstGeom prst="rect">
+            <a:avLst/>
+          </a:prstGeom>
+          <a:noFill/>
+        </p:spPr>
+        <p:txBody>
+          <a:bodyPr wrap="none" rtlCol="0">
+            <a:spAutoFit/>
+          </a:bodyPr>
+          <a:lstStyle/>
+          <a:p>
+            <a:r>
+              <a:rPr lang="en-US" altLang="ko-KR" sz="3600" dirty="0"/>
+              <a:t>Ver.2</a:t>
+            </a:r>
+            <a:endParaRPr lang="ko-KR" altLang="en-US" sz="3600" dirty="0"/>
+          </a:p>
+        </p:txBody>
+      </p:sp>
+      <p:sp>
+        <p:nvSpPr>
+          <p:cNvPr id="5" name="TextBox 4">
+            <a:extLst>
+              <a:ext uri="{FF2B5EF4-FFF2-40B4-BE49-F238E27FC236}">
+                <a16:creationId xmlns:a16="http://schemas.microsoft.com/office/drawing/2014/main" id="{25791BA1-59D4-48D8-943C-0B9B01B027B2}"/>
+              </a:ext>
+            </a:extLst>
+          </p:cNvPr>
+          <p:cNvSpPr txBox="1"/>
+          <p:nvPr/>
+        </p:nvSpPr>
+        <p:spPr>
+          <a:xfrm>
+            <a:off x="1461331" y="1589518"/>
+            <a:ext cx="2738250" cy="369332"/>
+          </a:xfrm>
+          <a:prstGeom prst="rect">
+            <a:avLst/>
+          </a:prstGeom>
+          <a:noFill/>
+        </p:spPr>
+        <p:txBody>
+          <a:bodyPr wrap="none" rtlCol="0">
+            <a:spAutoFit/>
+          </a:bodyPr>
+          <a:lstStyle/>
+          <a:p>
+            <a:r>
+              <a:rPr lang="ko-KR" altLang="en-US" dirty="0"/>
+              <a:t>유전자 재조합 기술 도입</a:t>
+            </a:r>
+          </a:p>
+        </p:txBody>
+      </p:sp>
+    </p:spTree>
+    <p:extLst>
+      <p:ext uri="{BB962C8B-B14F-4D97-AF65-F5344CB8AC3E}">
+        <p14:creationId xmlns:p14="http://schemas.microsoft.com/office/powerpoint/2010/main" val="4177425235"/>
       </p:ext>
     </p:extLst>
   </p:cSld>
